--- a/RWorkshopPart4-CaseStudy.pptx
+++ b/RWorkshopPart4-CaseStudy.pptx
@@ -237,7 +237,7 @@
           <a:p>
             <a:fld id="{C2CC3A1E-D33B-5246-BFA9-2C16B7A4A015}" type="datetimeFigureOut">
               <a:rPr lang="en-US" smtClean="0"/>
-              <a:t>1/7/21</a:t>
+              <a:t>5/3/21</a:t>
             </a:fld>
             <a:endParaRPr lang="en-US"/>
           </a:p>
@@ -403,7 +403,7 @@
           <a:p>
             <a:fld id="{14893C57-73AC-D045-AFD1-F234B36E49AC}" type="datetimeFigureOut">
               <a:rPr lang="en-US" smtClean="0"/>
-              <a:t>1/7/21</a:t>
+              <a:t>5/3/21</a:t>
             </a:fld>
             <a:endParaRPr lang="en-US"/>
           </a:p>
@@ -850,7 +850,7 @@
           <a:p>
             <a:fld id="{73F025B3-1245-954B-9D5F-4E55C1BF09C0}" type="datetime1">
               <a:rPr lang="en-US" smtClean="0"/>
-              <a:t>1/7/21</a:t>
+              <a:t>5/3/21</a:t>
             </a:fld>
             <a:endParaRPr lang="en-US"/>
           </a:p>
@@ -1018,7 +1018,7 @@
           <a:p>
             <a:fld id="{E9B01D77-7F89-4447-85E3-EE5C814C1D07}" type="datetime1">
               <a:rPr lang="en-US" smtClean="0"/>
-              <a:t>1/7/21</a:t>
+              <a:t>5/3/21</a:t>
             </a:fld>
             <a:endParaRPr lang="en-US"/>
           </a:p>
@@ -1196,7 +1196,7 @@
           <a:p>
             <a:fld id="{54CC813B-A69E-A94B-90E2-131F574C30D8}" type="datetime1">
               <a:rPr lang="en-US" smtClean="0"/>
-              <a:t>1/7/21</a:t>
+              <a:t>5/3/21</a:t>
             </a:fld>
             <a:endParaRPr lang="en-US"/>
           </a:p>
@@ -1364,7 +1364,7 @@
           <a:p>
             <a:fld id="{6695767E-C73D-5D43-B624-40911C1676C1}" type="datetime1">
               <a:rPr lang="en-US" smtClean="0"/>
-              <a:t>1/7/21</a:t>
+              <a:t>5/3/21</a:t>
             </a:fld>
             <a:endParaRPr lang="en-US"/>
           </a:p>
@@ -1609,7 +1609,7 @@
           <a:p>
             <a:fld id="{C7E9268E-5315-2F49-8807-13694EDF20BA}" type="datetime1">
               <a:rPr lang="en-US" smtClean="0"/>
-              <a:t>1/7/21</a:t>
+              <a:t>5/3/21</a:t>
             </a:fld>
             <a:endParaRPr lang="en-US"/>
           </a:p>
@@ -1894,7 +1894,7 @@
           <a:p>
             <a:fld id="{42737842-E50F-E048-831C-2DAEE47DF075}" type="datetime1">
               <a:rPr lang="en-US" smtClean="0"/>
-              <a:t>1/7/21</a:t>
+              <a:t>5/3/21</a:t>
             </a:fld>
             <a:endParaRPr lang="en-US"/>
           </a:p>
@@ -2313,7 +2313,7 @@
           <a:p>
             <a:fld id="{06677687-FD27-3D45-84EA-22933349BC5F}" type="datetime1">
               <a:rPr lang="en-US" smtClean="0"/>
-              <a:t>1/7/21</a:t>
+              <a:t>5/3/21</a:t>
             </a:fld>
             <a:endParaRPr lang="en-US"/>
           </a:p>
@@ -2430,7 +2430,7 @@
           <a:p>
             <a:fld id="{6CD3199B-C0EB-034E-9AC5-EE156F337F13}" type="datetime1">
               <a:rPr lang="en-US" smtClean="0"/>
-              <a:t>1/7/21</a:t>
+              <a:t>5/3/21</a:t>
             </a:fld>
             <a:endParaRPr lang="en-US"/>
           </a:p>
@@ -2525,7 +2525,7 @@
           <a:p>
             <a:fld id="{3BD42CBB-68CB-1B43-BE35-628089C82B9F}" type="datetime1">
               <a:rPr lang="en-US" smtClean="0"/>
-              <a:t>1/7/21</a:t>
+              <a:t>5/3/21</a:t>
             </a:fld>
             <a:endParaRPr lang="en-US"/>
           </a:p>
@@ -2800,7 +2800,7 @@
           <a:p>
             <a:fld id="{C7FEAB64-78C5-3245-AB5C-13D1CE6A3097}" type="datetime1">
               <a:rPr lang="en-US" smtClean="0"/>
-              <a:t>1/7/21</a:t>
+              <a:t>5/3/21</a:t>
             </a:fld>
             <a:endParaRPr lang="en-US"/>
           </a:p>
@@ -3052,7 +3052,7 @@
           <a:p>
             <a:fld id="{5A0AA411-28A0-3A4C-B001-2104CB59ABA1}" type="datetime1">
               <a:rPr lang="en-US" smtClean="0"/>
-              <a:t>1/7/21</a:t>
+              <a:t>5/3/21</a:t>
             </a:fld>
             <a:endParaRPr lang="en-US"/>
           </a:p>
@@ -3263,7 +3263,7 @@
           <a:p>
             <a:fld id="{391060B3-373B-644E-A1B7-D215202ACDAD}" type="datetime1">
               <a:rPr lang="en-US" smtClean="0"/>
-              <a:t>1/7/21</a:t>
+              <a:t>5/3/21</a:t>
             </a:fld>
             <a:endParaRPr lang="en-US"/>
           </a:p>
@@ -3709,9 +3709,10 @@
           </a:p>
           <a:p>
             <a:r>
-              <a:rPr lang="en-US" dirty="0"/>
-              <a:t>SER 2020</a:t>
-            </a:r>
+              <a:rPr lang="en-US"/>
+              <a:t>SER 2021</a:t>
+            </a:r>
+            <a:endParaRPr lang="en-US" dirty="0"/>
           </a:p>
           <a:p>
             <a:endParaRPr lang="en-US" dirty="0"/>
@@ -3779,14 +3780,14 @@
           </a:ln>
           <a:extLst>
             <a:ext uri="{909E8E84-426E-40dd-AFC4-6F175D3DCCD1}">
-              <a14:hiddenFill xmlns:a14="http://schemas.microsoft.com/office/drawing/2010/main" xmlns="">
+              <a14:hiddenFill xmlns="" xmlns:a14="http://schemas.microsoft.com/office/drawing/2010/main">
                 <a:solidFill>
                   <a:schemeClr val="accent1"/>
                 </a:solidFill>
               </a14:hiddenFill>
             </a:ext>
             <a:ext uri="{91240B29-F687-4f45-9708-019B960494DF}">
-              <a14:hiddenLine xmlns:a14="http://schemas.microsoft.com/office/drawing/2010/main" xmlns="" w="9525">
+              <a14:hiddenLine xmlns="" xmlns:a14="http://schemas.microsoft.com/office/drawing/2010/main" w="9525">
                 <a:solidFill>
                   <a:schemeClr val="tx1"/>
                 </a:solidFill>
@@ -3833,14 +3834,14 @@
           </a:ln>
           <a:extLst>
             <a:ext uri="{909E8E84-426E-40dd-AFC4-6F175D3DCCD1}">
-              <a14:hiddenFill xmlns:a14="http://schemas.microsoft.com/office/drawing/2010/main" xmlns="">
+              <a14:hiddenFill xmlns="" xmlns:a14="http://schemas.microsoft.com/office/drawing/2010/main">
                 <a:solidFill>
                   <a:schemeClr val="accent1"/>
                 </a:solidFill>
               </a14:hiddenFill>
             </a:ext>
             <a:ext uri="{91240B29-F687-4f45-9708-019B960494DF}">
-              <a14:hiddenLine xmlns:a14="http://schemas.microsoft.com/office/drawing/2010/main" xmlns="" w="9525">
+              <a14:hiddenLine xmlns="" xmlns:a14="http://schemas.microsoft.com/office/drawing/2010/main" w="9525">
                 <a:solidFill>
                   <a:schemeClr val="tx1"/>
                 </a:solidFill>
@@ -3968,14 +3969,14 @@
           <a:effectLst/>
           <a:extLst>
             <a:ext uri="{909E8E84-426E-40dd-AFC4-6F175D3DCCD1}">
-              <a14:hiddenFill xmlns:a14="http://schemas.microsoft.com/office/drawing/2010/main" xmlns="">
+              <a14:hiddenFill xmlns="" xmlns:a14="http://schemas.microsoft.com/office/drawing/2010/main">
                 <a:solidFill>
                   <a:schemeClr val="accent1"/>
                 </a:solidFill>
               </a14:hiddenFill>
             </a:ext>
             <a:ext uri="{91240B29-F687-4f45-9708-019B960494DF}">
-              <a14:hiddenLine xmlns:a14="http://schemas.microsoft.com/office/drawing/2010/main" xmlns="" w="9525">
+              <a14:hiddenLine xmlns="" xmlns:a14="http://schemas.microsoft.com/office/drawing/2010/main" w="9525">
                 <a:solidFill>
                   <a:schemeClr val="tx1"/>
                 </a:solidFill>
@@ -3985,7 +3986,7 @@
               </a14:hiddenLine>
             </a:ext>
             <a:ext uri="{AF507438-7753-43e0-B8FC-AC1667EBCBE1}">
-              <a14:hiddenEffects xmlns:a14="http://schemas.microsoft.com/office/drawing/2010/main" xmlns="">
+              <a14:hiddenEffects xmlns="" xmlns:a14="http://schemas.microsoft.com/office/drawing/2010/main">
                 <a:effectLst>
                   <a:outerShdw dist="35921" dir="2700000" algn="ctr" rotWithShape="0">
                     <a:schemeClr val="bg2"/>
@@ -4697,14 +4698,14 @@
           <a:effectLst/>
           <a:extLst>
             <a:ext uri="{909E8E84-426E-40dd-AFC4-6F175D3DCCD1}">
-              <a14:hiddenFill xmlns:a14="http://schemas.microsoft.com/office/drawing/2010/main" xmlns="">
+              <a14:hiddenFill xmlns="" xmlns:a14="http://schemas.microsoft.com/office/drawing/2010/main">
                 <a:solidFill>
                   <a:schemeClr val="accent1"/>
                 </a:solidFill>
               </a14:hiddenFill>
             </a:ext>
             <a:ext uri="{91240B29-F687-4f45-9708-019B960494DF}">
-              <a14:hiddenLine xmlns:a14="http://schemas.microsoft.com/office/drawing/2010/main" xmlns="" w="9525">
+              <a14:hiddenLine xmlns="" xmlns:a14="http://schemas.microsoft.com/office/drawing/2010/main" w="9525">
                 <a:solidFill>
                   <a:schemeClr val="tx1"/>
                 </a:solidFill>
@@ -4714,7 +4715,7 @@
               </a14:hiddenLine>
             </a:ext>
             <a:ext uri="{AF507438-7753-43e0-B8FC-AC1667EBCBE1}">
-              <a14:hiddenEffects xmlns:a14="http://schemas.microsoft.com/office/drawing/2010/main" xmlns="">
+              <a14:hiddenEffects xmlns="" xmlns:a14="http://schemas.microsoft.com/office/drawing/2010/main">
                 <a:effectLst>
                   <a:outerShdw dist="35921" dir="2700000" algn="ctr" rotWithShape="0">
                     <a:schemeClr val="bg2"/>
@@ -5654,14 +5655,14 @@
           <a:effectLst/>
           <a:extLst>
             <a:ext uri="{909E8E84-426E-40dd-AFC4-6F175D3DCCD1}">
-              <a14:hiddenFill xmlns:a14="http://schemas.microsoft.com/office/drawing/2010/main" xmlns="">
+              <a14:hiddenFill xmlns="" xmlns:a14="http://schemas.microsoft.com/office/drawing/2010/main">
                 <a:solidFill>
                   <a:schemeClr val="accent1"/>
                 </a:solidFill>
               </a14:hiddenFill>
             </a:ext>
             <a:ext uri="{91240B29-F687-4f45-9708-019B960494DF}">
-              <a14:hiddenLine xmlns:a14="http://schemas.microsoft.com/office/drawing/2010/main" xmlns="" w="9525">
+              <a14:hiddenLine xmlns="" xmlns:a14="http://schemas.microsoft.com/office/drawing/2010/main" w="9525">
                 <a:solidFill>
                   <a:schemeClr val="tx1"/>
                 </a:solidFill>
@@ -5671,7 +5672,7 @@
               </a14:hiddenLine>
             </a:ext>
             <a:ext uri="{AF507438-7753-43e0-B8FC-AC1667EBCBE1}">
-              <a14:hiddenEffects xmlns:a14="http://schemas.microsoft.com/office/drawing/2010/main" xmlns="">
+              <a14:hiddenEffects xmlns="" xmlns:a14="http://schemas.microsoft.com/office/drawing/2010/main">
                 <a:effectLst>
                   <a:outerShdw dist="35921" dir="2700000" algn="ctr" rotWithShape="0">
                     <a:schemeClr val="bg2"/>
@@ -6463,14 +6464,14 @@
           <a:effectLst/>
           <a:extLst>
             <a:ext uri="{909E8E84-426E-40dd-AFC4-6F175D3DCCD1}">
-              <a14:hiddenFill xmlns:a14="http://schemas.microsoft.com/office/drawing/2010/main" xmlns="">
+              <a14:hiddenFill xmlns="" xmlns:a14="http://schemas.microsoft.com/office/drawing/2010/main">
                 <a:solidFill>
                   <a:schemeClr val="accent1"/>
                 </a:solidFill>
               </a14:hiddenFill>
             </a:ext>
             <a:ext uri="{91240B29-F687-4f45-9708-019B960494DF}">
-              <a14:hiddenLine xmlns:a14="http://schemas.microsoft.com/office/drawing/2010/main" xmlns="" w="9525">
+              <a14:hiddenLine xmlns="" xmlns:a14="http://schemas.microsoft.com/office/drawing/2010/main" w="9525">
                 <a:solidFill>
                   <a:schemeClr val="tx1"/>
                 </a:solidFill>
@@ -6480,7 +6481,7 @@
               </a14:hiddenLine>
             </a:ext>
             <a:ext uri="{AF507438-7753-43e0-B8FC-AC1667EBCBE1}">
-              <a14:hiddenEffects xmlns:a14="http://schemas.microsoft.com/office/drawing/2010/main" xmlns="">
+              <a14:hiddenEffects xmlns="" xmlns:a14="http://schemas.microsoft.com/office/drawing/2010/main">
                 <a:effectLst>
                   <a:outerShdw dist="35921" dir="2700000" algn="ctr" rotWithShape="0">
                     <a:schemeClr val="bg2"/>
@@ -6527,14 +6528,14 @@
           <a:effectLst/>
           <a:extLst>
             <a:ext uri="{909E8E84-426E-40dd-AFC4-6F175D3DCCD1}">
-              <a14:hiddenFill xmlns:a14="http://schemas.microsoft.com/office/drawing/2010/main" xmlns="">
+              <a14:hiddenFill xmlns="" xmlns:a14="http://schemas.microsoft.com/office/drawing/2010/main">
                 <a:solidFill>
                   <a:schemeClr val="accent1"/>
                 </a:solidFill>
               </a14:hiddenFill>
             </a:ext>
             <a:ext uri="{91240B29-F687-4f45-9708-019B960494DF}">
-              <a14:hiddenLine xmlns:a14="http://schemas.microsoft.com/office/drawing/2010/main" xmlns="" w="9525">
+              <a14:hiddenLine xmlns="" xmlns:a14="http://schemas.microsoft.com/office/drawing/2010/main" w="9525">
                 <a:solidFill>
                   <a:schemeClr val="tx1"/>
                 </a:solidFill>
@@ -6544,7 +6545,7 @@
               </a14:hiddenLine>
             </a:ext>
             <a:ext uri="{AF507438-7753-43e0-B8FC-AC1667EBCBE1}">
-              <a14:hiddenEffects xmlns:a14="http://schemas.microsoft.com/office/drawing/2010/main" xmlns="">
+              <a14:hiddenEffects xmlns="" xmlns:a14="http://schemas.microsoft.com/office/drawing/2010/main">
                 <a:effectLst>
                   <a:outerShdw dist="35921" dir="2700000" algn="ctr" rotWithShape="0">
                     <a:schemeClr val="bg2"/>
@@ -6724,14 +6725,14 @@
           <a:effectLst/>
           <a:extLst>
             <a:ext uri="{909E8E84-426E-40dd-AFC4-6F175D3DCCD1}">
-              <a14:hiddenFill xmlns:a14="http://schemas.microsoft.com/office/drawing/2010/main" xmlns="">
+              <a14:hiddenFill xmlns="" xmlns:a14="http://schemas.microsoft.com/office/drawing/2010/main">
                 <a:solidFill>
                   <a:schemeClr val="accent1"/>
                 </a:solidFill>
               </a14:hiddenFill>
             </a:ext>
             <a:ext uri="{91240B29-F687-4f45-9708-019B960494DF}">
-              <a14:hiddenLine xmlns:a14="http://schemas.microsoft.com/office/drawing/2010/main" xmlns="" w="9525">
+              <a14:hiddenLine xmlns="" xmlns:a14="http://schemas.microsoft.com/office/drawing/2010/main" w="9525">
                 <a:solidFill>
                   <a:schemeClr val="tx1"/>
                 </a:solidFill>
@@ -6741,7 +6742,7 @@
               </a14:hiddenLine>
             </a:ext>
             <a:ext uri="{AF507438-7753-43e0-B8FC-AC1667EBCBE1}">
-              <a14:hiddenEffects xmlns:a14="http://schemas.microsoft.com/office/drawing/2010/main" xmlns="">
+              <a14:hiddenEffects xmlns="" xmlns:a14="http://schemas.microsoft.com/office/drawing/2010/main">
                 <a:effectLst>
                   <a:outerShdw dist="35921" dir="2700000" algn="ctr" rotWithShape="0">
                     <a:schemeClr val="bg2"/>
@@ -6788,14 +6789,14 @@
           <a:effectLst/>
           <a:extLst>
             <a:ext uri="{909E8E84-426E-40dd-AFC4-6F175D3DCCD1}">
-              <a14:hiddenFill xmlns:a14="http://schemas.microsoft.com/office/drawing/2010/main" xmlns="">
+              <a14:hiddenFill xmlns="" xmlns:a14="http://schemas.microsoft.com/office/drawing/2010/main">
                 <a:solidFill>
                   <a:schemeClr val="accent1"/>
                 </a:solidFill>
               </a14:hiddenFill>
             </a:ext>
             <a:ext uri="{91240B29-F687-4f45-9708-019B960494DF}">
-              <a14:hiddenLine xmlns:a14="http://schemas.microsoft.com/office/drawing/2010/main" xmlns="" w="9525">
+              <a14:hiddenLine xmlns="" xmlns:a14="http://schemas.microsoft.com/office/drawing/2010/main" w="9525">
                 <a:solidFill>
                   <a:schemeClr val="tx1"/>
                 </a:solidFill>
@@ -6805,7 +6806,7 @@
               </a14:hiddenLine>
             </a:ext>
             <a:ext uri="{AF507438-7753-43e0-B8FC-AC1667EBCBE1}">
-              <a14:hiddenEffects xmlns:a14="http://schemas.microsoft.com/office/drawing/2010/main" xmlns="">
+              <a14:hiddenEffects xmlns="" xmlns:a14="http://schemas.microsoft.com/office/drawing/2010/main">
                 <a:effectLst>
                   <a:outerShdw dist="35921" dir="2700000" algn="ctr" rotWithShape="0">
                     <a:schemeClr val="bg2"/>
@@ -7481,14 +7482,14 @@
           <a:effectLst/>
           <a:extLst>
             <a:ext uri="{909E8E84-426E-40dd-AFC4-6F175D3DCCD1}">
-              <a14:hiddenFill xmlns:a14="http://schemas.microsoft.com/office/drawing/2010/main" xmlns="">
+              <a14:hiddenFill xmlns="" xmlns:a14="http://schemas.microsoft.com/office/drawing/2010/main">
                 <a:solidFill>
                   <a:schemeClr val="accent1"/>
                 </a:solidFill>
               </a14:hiddenFill>
             </a:ext>
             <a:ext uri="{91240B29-F687-4f45-9708-019B960494DF}">
-              <a14:hiddenLine xmlns:a14="http://schemas.microsoft.com/office/drawing/2010/main" xmlns="" w="9525">
+              <a14:hiddenLine xmlns="" xmlns:a14="http://schemas.microsoft.com/office/drawing/2010/main" w="9525">
                 <a:solidFill>
                   <a:schemeClr val="tx1"/>
                 </a:solidFill>
@@ -7498,7 +7499,7 @@
               </a14:hiddenLine>
             </a:ext>
             <a:ext uri="{AF507438-7753-43e0-B8FC-AC1667EBCBE1}">
-              <a14:hiddenEffects xmlns:a14="http://schemas.microsoft.com/office/drawing/2010/main" xmlns="">
+              <a14:hiddenEffects xmlns="" xmlns:a14="http://schemas.microsoft.com/office/drawing/2010/main">
                 <a:effectLst>
                   <a:outerShdw dist="35921" dir="2700000" algn="ctr" rotWithShape="0">
                     <a:schemeClr val="bg2"/>
@@ -7879,7 +7880,7 @@
           <a:noFill/>
           <a:extLst>
             <a:ext uri="{909E8E84-426E-40dd-AFC4-6F175D3DCCD1}">
-              <a14:hiddenFill xmlns:a14="http://schemas.microsoft.com/office/drawing/2010/main" xmlns="">
+              <a14:hiddenFill xmlns="" xmlns:a14="http://schemas.microsoft.com/office/drawing/2010/main">
                 <a:solidFill>
                   <a:srgbClr val="FFFFFF"/>
                 </a:solidFill>
